--- a/other/presentation.pptx
+++ b/other/presentation.pptx
@@ -303,11 +303,11 @@
           <c:showBubbleSize val="0"/>
         </c:dLbls>
         <c:smooth val="0"/>
-        <c:axId val="318330400"/>
-        <c:axId val="318335888"/>
+        <c:axId val="260538840"/>
+        <c:axId val="211758248"/>
       </c:lineChart>
       <c:catAx>
-        <c:axId val="318330400"/>
+        <c:axId val="260538840"/>
         <c:scaling>
           <c:orientation val="minMax"/>
         </c:scaling>
@@ -350,7 +350,7 @@
             <a:endParaRPr lang="pt-PT"/>
           </a:p>
         </c:txPr>
-        <c:crossAx val="318335888"/>
+        <c:crossAx val="211758248"/>
         <c:crosses val="autoZero"/>
         <c:auto val="1"/>
         <c:lblAlgn val="ctr"/>
@@ -358,7 +358,7 @@
         <c:noMultiLvlLbl val="0"/>
       </c:catAx>
       <c:valAx>
-        <c:axId val="318335888"/>
+        <c:axId val="211758248"/>
         <c:scaling>
           <c:orientation val="minMax"/>
         </c:scaling>
@@ -409,7 +409,7 @@
             <a:endParaRPr lang="pt-PT"/>
           </a:p>
         </c:txPr>
-        <c:crossAx val="318330400"/>
+        <c:crossAx val="260538840"/>
         <c:crosses val="autoZero"/>
         <c:crossBetween val="between"/>
       </c:valAx>
@@ -17972,11 +17972,11 @@
   <p:clrMapOvr>
     <a:masterClrMapping/>
   </p:clrMapOvr>
-  <mc:AlternateContent xmlns:mc="http://schemas.openxmlformats.org/markup-compatibility/2006">
-    <mc:Choice xmlns:p14="http://schemas.microsoft.com/office/powerpoint/2010/main" Requires="p14">
+  <mc:AlternateContent xmlns:mc="http://schemas.openxmlformats.org/markup-compatibility/2006" xmlns:p14="http://schemas.microsoft.com/office/powerpoint/2010/main">
+    <mc:Choice Requires="p14">
       <p:transition spd="slow" p14:dur="2000"/>
     </mc:Choice>
-    <mc:Fallback>
+    <mc:Fallback xmlns="">
       <p:transition spd="slow"/>
     </mc:Fallback>
   </mc:AlternateContent>
@@ -18192,11 +18192,11 @@
   <p:clrMapOvr>
     <a:masterClrMapping/>
   </p:clrMapOvr>
-  <mc:AlternateContent xmlns:mc="http://schemas.openxmlformats.org/markup-compatibility/2006">
-    <mc:Choice xmlns:p14="http://schemas.microsoft.com/office/powerpoint/2010/main" Requires="p14">
+  <mc:AlternateContent xmlns:mc="http://schemas.openxmlformats.org/markup-compatibility/2006" xmlns:p14="http://schemas.microsoft.com/office/powerpoint/2010/main">
+    <mc:Choice Requires="p14">
       <p:transition spd="slow" p14:dur="2000"/>
     </mc:Choice>
-    <mc:Fallback>
+    <mc:Fallback xmlns="">
       <p:transition spd="slow"/>
     </mc:Fallback>
   </mc:AlternateContent>
@@ -18637,11 +18637,11 @@
   <p:clrMapOvr>
     <a:masterClrMapping/>
   </p:clrMapOvr>
-  <mc:AlternateContent xmlns:mc="http://schemas.openxmlformats.org/markup-compatibility/2006">
-    <mc:Choice xmlns:p14="http://schemas.microsoft.com/office/powerpoint/2010/main" Requires="p14">
+  <mc:AlternateContent xmlns:mc="http://schemas.openxmlformats.org/markup-compatibility/2006" xmlns:p14="http://schemas.microsoft.com/office/powerpoint/2010/main">
+    <mc:Choice Requires="p14">
       <p:transition spd="slow" p14:dur="2000"/>
     </mc:Choice>
-    <mc:Fallback>
+    <mc:Fallback xmlns="">
       <p:transition spd="slow"/>
     </mc:Fallback>
   </mc:AlternateContent>
@@ -19264,11 +19264,11 @@
   <p:clrMapOvr>
     <a:masterClrMapping/>
   </p:clrMapOvr>
-  <mc:AlternateContent xmlns:mc="http://schemas.openxmlformats.org/markup-compatibility/2006">
-    <mc:Choice xmlns:p14="http://schemas.microsoft.com/office/powerpoint/2010/main" Requires="p14">
+  <mc:AlternateContent xmlns:mc="http://schemas.openxmlformats.org/markup-compatibility/2006" xmlns:p14="http://schemas.microsoft.com/office/powerpoint/2010/main">
+    <mc:Choice Requires="p14">
       <p:transition spd="slow" p14:dur="2000"/>
     </mc:Choice>
-    <mc:Fallback>
+    <mc:Fallback xmlns="">
       <p:transition spd="slow"/>
     </mc:Fallback>
   </mc:AlternateContent>
@@ -19575,11 +19575,11 @@
   <p:clrMapOvr>
     <a:masterClrMapping/>
   </p:clrMapOvr>
-  <mc:AlternateContent xmlns:mc="http://schemas.openxmlformats.org/markup-compatibility/2006">
-    <mc:Choice xmlns:p14="http://schemas.microsoft.com/office/powerpoint/2010/main" Requires="p14">
+  <mc:AlternateContent xmlns:mc="http://schemas.openxmlformats.org/markup-compatibility/2006" xmlns:p14="http://schemas.microsoft.com/office/powerpoint/2010/main">
+    <mc:Choice Requires="p14">
       <p:transition spd="slow" p14:dur="2000"/>
     </mc:Choice>
-    <mc:Fallback>
+    <mc:Fallback xmlns="">
       <p:transition spd="slow"/>
     </mc:Fallback>
   </mc:AlternateContent>
@@ -19857,11 +19857,11 @@
   <p:clrMapOvr>
     <a:masterClrMapping/>
   </p:clrMapOvr>
-  <mc:AlternateContent xmlns:mc="http://schemas.openxmlformats.org/markup-compatibility/2006">
-    <mc:Choice xmlns:p14="http://schemas.microsoft.com/office/powerpoint/2010/main" Requires="p14">
+  <mc:AlternateContent xmlns:mc="http://schemas.openxmlformats.org/markup-compatibility/2006" xmlns:p14="http://schemas.microsoft.com/office/powerpoint/2010/main">
+    <mc:Choice Requires="p14">
       <p:transition spd="slow" p14:dur="2000"/>
     </mc:Choice>
-    <mc:Fallback>
+    <mc:Fallback xmlns="">
       <p:transition spd="slow"/>
     </mc:Fallback>
   </mc:AlternateContent>
@@ -20110,11 +20110,11 @@
   <p:clrMapOvr>
     <a:masterClrMapping/>
   </p:clrMapOvr>
-  <mc:AlternateContent xmlns:mc="http://schemas.openxmlformats.org/markup-compatibility/2006">
-    <mc:Choice xmlns:p14="http://schemas.microsoft.com/office/powerpoint/2010/main" Requires="p14">
+  <mc:AlternateContent xmlns:mc="http://schemas.openxmlformats.org/markup-compatibility/2006" xmlns:p14="http://schemas.microsoft.com/office/powerpoint/2010/main">
+    <mc:Choice Requires="p14">
       <p:transition spd="slow" p14:dur="2000"/>
     </mc:Choice>
-    <mc:Fallback>
+    <mc:Fallback xmlns="">
       <p:transition spd="slow"/>
     </mc:Fallback>
   </mc:AlternateContent>
@@ -20392,11 +20392,11 @@
   <p:clrMapOvr>
     <a:masterClrMapping/>
   </p:clrMapOvr>
-  <mc:AlternateContent xmlns:mc="http://schemas.openxmlformats.org/markup-compatibility/2006">
-    <mc:Choice xmlns:p14="http://schemas.microsoft.com/office/powerpoint/2010/main" Requires="p14">
+  <mc:AlternateContent xmlns:mc="http://schemas.openxmlformats.org/markup-compatibility/2006" xmlns:p14="http://schemas.microsoft.com/office/powerpoint/2010/main">
+    <mc:Choice Requires="p14">
       <p:transition spd="slow" p14:dur="2000"/>
     </mc:Choice>
-    <mc:Fallback>
+    <mc:Fallback xmlns="">
       <p:transition spd="slow"/>
     </mc:Fallback>
   </mc:AlternateContent>
@@ -20524,11 +20524,11 @@
   <p:clrMapOvr>
     <a:masterClrMapping/>
   </p:clrMapOvr>
-  <mc:AlternateContent xmlns:mc="http://schemas.openxmlformats.org/markup-compatibility/2006">
-    <mc:Choice xmlns:p14="http://schemas.microsoft.com/office/powerpoint/2010/main" Requires="p14">
+  <mc:AlternateContent xmlns:mc="http://schemas.openxmlformats.org/markup-compatibility/2006" xmlns:p14="http://schemas.microsoft.com/office/powerpoint/2010/main">
+    <mc:Choice Requires="p14">
       <p:transition spd="slow" p14:dur="2000"/>
     </mc:Choice>
-    <mc:Fallback>
+    <mc:Fallback xmlns="">
       <p:transition spd="slow"/>
     </mc:Fallback>
   </mc:AlternateContent>
@@ -20835,11 +20835,11 @@
   <p:clrMapOvr>
     <a:masterClrMapping/>
   </p:clrMapOvr>
-  <mc:AlternateContent xmlns:mc="http://schemas.openxmlformats.org/markup-compatibility/2006">
-    <mc:Choice xmlns:p14="http://schemas.microsoft.com/office/powerpoint/2010/main" Requires="p14">
+  <mc:AlternateContent xmlns:mc="http://schemas.openxmlformats.org/markup-compatibility/2006" xmlns:p14="http://schemas.microsoft.com/office/powerpoint/2010/main">
+    <mc:Choice Requires="p14">
       <p:transition spd="slow" p14:dur="2000"/>
     </mc:Choice>
-    <mc:Fallback>
+    <mc:Fallback xmlns="">
       <p:transition spd="slow"/>
     </mc:Fallback>
   </mc:AlternateContent>
@@ -21204,11 +21204,11 @@
   <p:clrMapOvr>
     <a:masterClrMapping/>
   </p:clrMapOvr>
-  <mc:AlternateContent xmlns:mc="http://schemas.openxmlformats.org/markup-compatibility/2006">
-    <mc:Choice xmlns:p14="http://schemas.microsoft.com/office/powerpoint/2010/main" Requires="p14">
+  <mc:AlternateContent xmlns:mc="http://schemas.openxmlformats.org/markup-compatibility/2006" xmlns:p14="http://schemas.microsoft.com/office/powerpoint/2010/main">
+    <mc:Choice Requires="p14">
       <p:transition spd="slow" p14:dur="2000"/>
     </mc:Choice>
-    <mc:Fallback>
+    <mc:Fallback xmlns="">
       <p:transition spd="slow"/>
     </mc:Fallback>
   </mc:AlternateContent>
@@ -21486,11 +21486,11 @@
   <p:clrMapOvr>
     <a:masterClrMapping/>
   </p:clrMapOvr>
-  <mc:AlternateContent xmlns:mc="http://schemas.openxmlformats.org/markup-compatibility/2006">
-    <mc:Choice xmlns:p14="http://schemas.microsoft.com/office/powerpoint/2010/main" Requires="p14">
+  <mc:AlternateContent xmlns:mc="http://schemas.openxmlformats.org/markup-compatibility/2006" xmlns:p14="http://schemas.microsoft.com/office/powerpoint/2010/main">
+    <mc:Choice Requires="p14">
       <p:transition spd="slow" p14:dur="2000"/>
     </mc:Choice>
-    <mc:Fallback>
+    <mc:Fallback xmlns="">
       <p:transition spd="slow"/>
     </mc:Fallback>
   </mc:AlternateContent>
@@ -21779,11 +21779,11 @@
   <p:clrMapOvr>
     <a:masterClrMapping/>
   </p:clrMapOvr>
-  <mc:AlternateContent xmlns:mc="http://schemas.openxmlformats.org/markup-compatibility/2006">
-    <mc:Choice xmlns:p14="http://schemas.microsoft.com/office/powerpoint/2010/main" Requires="p14">
+  <mc:AlternateContent xmlns:mc="http://schemas.openxmlformats.org/markup-compatibility/2006" xmlns:p14="http://schemas.microsoft.com/office/powerpoint/2010/main">
+    <mc:Choice Requires="p14">
       <p:transition spd="slow" p14:dur="2000"/>
     </mc:Choice>
-    <mc:Fallback>
+    <mc:Fallback xmlns="">
       <p:transition spd="slow"/>
     </mc:Fallback>
   </mc:AlternateContent>
@@ -23052,11 +23052,11 @@
   <p:clrMapOvr>
     <a:masterClrMapping/>
   </p:clrMapOvr>
-  <mc:AlternateContent xmlns:mc="http://schemas.openxmlformats.org/markup-compatibility/2006">
-    <mc:Choice xmlns:p14="http://schemas.microsoft.com/office/powerpoint/2010/main" Requires="p14">
+  <mc:AlternateContent xmlns:mc="http://schemas.openxmlformats.org/markup-compatibility/2006" xmlns:p14="http://schemas.microsoft.com/office/powerpoint/2010/main">
+    <mc:Choice Requires="p14">
       <p:transition spd="slow" p14:dur="2000"/>
     </mc:Choice>
-    <mc:Fallback>
+    <mc:Fallback xmlns="">
       <p:transition spd="slow"/>
     </mc:Fallback>
   </mc:AlternateContent>
@@ -23276,11 +23276,11 @@
   <p:clrMapOvr>
     <a:masterClrMapping/>
   </p:clrMapOvr>
-  <mc:AlternateContent xmlns:mc="http://schemas.openxmlformats.org/markup-compatibility/2006">
-    <mc:Choice xmlns:p14="http://schemas.microsoft.com/office/powerpoint/2010/main" Requires="p14">
+  <mc:AlternateContent xmlns:mc="http://schemas.openxmlformats.org/markup-compatibility/2006" xmlns:p14="http://schemas.microsoft.com/office/powerpoint/2010/main">
+    <mc:Choice Requires="p14">
       <p:transition spd="slow" p14:dur="2000"/>
     </mc:Choice>
-    <mc:Fallback>
+    <mc:Fallback xmlns="">
       <p:transition spd="slow"/>
     </mc:Fallback>
   </mc:AlternateContent>
@@ -23408,11 +23408,11 @@
   <p:clrMapOvr>
     <a:masterClrMapping/>
   </p:clrMapOvr>
-  <mc:AlternateContent xmlns:mc="http://schemas.openxmlformats.org/markup-compatibility/2006">
-    <mc:Choice xmlns:p14="http://schemas.microsoft.com/office/powerpoint/2010/main" Requires="p14">
+  <mc:AlternateContent xmlns:mc="http://schemas.openxmlformats.org/markup-compatibility/2006" xmlns:p14="http://schemas.microsoft.com/office/powerpoint/2010/main">
+    <mc:Choice Requires="p14">
       <p:transition spd="slow" p14:dur="2000"/>
     </mc:Choice>
-    <mc:Fallback>
+    <mc:Fallback xmlns="">
       <p:transition spd="slow"/>
     </mc:Fallback>
   </mc:AlternateContent>
@@ -23632,11 +23632,11 @@
   <p:clrMapOvr>
     <a:masterClrMapping/>
   </p:clrMapOvr>
-  <mc:AlternateContent xmlns:mc="http://schemas.openxmlformats.org/markup-compatibility/2006">
-    <mc:Choice xmlns:p14="http://schemas.microsoft.com/office/powerpoint/2010/main" Requires="p14">
+  <mc:AlternateContent xmlns:mc="http://schemas.openxmlformats.org/markup-compatibility/2006" xmlns:p14="http://schemas.microsoft.com/office/powerpoint/2010/main">
+    <mc:Choice Requires="p14">
       <p:transition spd="slow" p14:dur="2000"/>
     </mc:Choice>
-    <mc:Fallback>
+    <mc:Fallback xmlns="">
       <p:transition spd="slow"/>
     </mc:Fallback>
   </mc:AlternateContent>
